--- a/2020/graph_parallelism_types_EU/EU_presentation.pptx
+++ b/2020/graph_parallelism_types_EU/EU_presentation.pptx
@@ -3554,10 +3554,16 @@
           </a:bodyPr>
           <a:p>
             <a:r>
-              <a:rPr lang="" altLang="en-US"/>
+              <a:rPr lang="" altLang="en-US">
+                <a:latin typeface="DejaVu Sans" panose="020B0603030804020204" charset="0"/>
+                <a:cs typeface="DejaVu Sans" panose="020B0603030804020204" charset="0"/>
+              </a:rPr>
               <a:t>WP 4 - Graph parallelism &amp; graph types</a:t>
             </a:r>
-            <a:endParaRPr lang="" altLang="en-US"/>
+            <a:endParaRPr lang="" altLang="en-US">
+              <a:latin typeface="DejaVu Sans" panose="020B0603030804020204" charset="0"/>
+              <a:cs typeface="DejaVu Sans" panose="020B0603030804020204" charset="0"/>
+            </a:endParaRPr>
           </a:p>
         </p:txBody>
       </p:sp>
@@ -3791,11 +3797,15 @@
             </a:pPr>
             <a:r>
               <a:rPr lang="" altLang="en-US">
+                <a:latin typeface="DejaVu Sans" panose="020B0603030804020204" charset="0"/>
+                <a:cs typeface="DejaVu Sans" panose="020B0603030804020204" charset="0"/>
                 <a:sym typeface="+mn-ea"/>
               </a:rPr>
               <a:t>FeatureCloud</a:t>
             </a:r>
             <a:endParaRPr lang="" altLang="en-US">
+              <a:latin typeface="DejaVu Sans" panose="020B0603030804020204" charset="0"/>
+              <a:cs typeface="DejaVu Sans" panose="020B0603030804020204" charset="0"/>
               <a:sym typeface="+mn-ea"/>
             </a:endParaRPr>
           </a:p>
@@ -3808,11 +3818,15 @@
             </a:pPr>
             <a:r>
               <a:rPr lang="" altLang="en-US">
+                <a:latin typeface="DejaVu Sans" panose="020B0603030804020204" charset="0"/>
+                <a:cs typeface="DejaVu Sans" panose="020B0603030804020204" charset="0"/>
                 <a:sym typeface="+mn-ea"/>
               </a:rPr>
               <a:t>Privacy preserving federated machine learning and blockchaining for reduced cyber risks in a world of distributed healthcare</a:t>
             </a:r>
             <a:endParaRPr lang="" altLang="en-US">
+              <a:latin typeface="DejaVu Sans" panose="020B0603030804020204" charset="0"/>
+              <a:cs typeface="DejaVu Sans" panose="020B0603030804020204" charset="0"/>
               <a:sym typeface="+mn-ea"/>
             </a:endParaRPr>
           </a:p>
@@ -3825,11 +3839,15 @@
             </a:pPr>
             <a:r>
               <a:rPr lang="" altLang="en-US">
+                <a:latin typeface="DejaVu Sans" panose="020B0603030804020204" charset="0"/>
+                <a:cs typeface="DejaVu Sans" panose="020B0603030804020204" charset="0"/>
                 <a:sym typeface="+mn-ea"/>
               </a:rPr>
               <a:t>H2020 - 826078</a:t>
             </a:r>
             <a:endParaRPr lang="" altLang="en-US">
+              <a:latin typeface="DejaVu Sans" panose="020B0603030804020204" charset="0"/>
+              <a:cs typeface="DejaVu Sans" panose="020B0603030804020204" charset="0"/>
               <a:sym typeface="+mn-ea"/>
             </a:endParaRPr>
           </a:p>
@@ -3868,10 +3886,16 @@
           <a:bodyPr/>
           <a:p>
             <a:r>
-              <a:rPr lang="" altLang="en-US"/>
+              <a:rPr lang="" altLang="en-US">
+                <a:latin typeface="DejaVu Sans" panose="020B0603030804020204" charset="0"/>
+                <a:cs typeface="DejaVu Sans" panose="020B0603030804020204" charset="0"/>
+              </a:rPr>
               <a:t>General goals &amp; objectives</a:t>
             </a:r>
-            <a:endParaRPr lang="" altLang="en-US"/>
+            <a:endParaRPr lang="" altLang="en-US">
+              <a:latin typeface="DejaVu Sans" panose="020B0603030804020204" charset="0"/>
+              <a:cs typeface="DejaVu Sans" panose="020B0603030804020204" charset="0"/>
+            </a:endParaRPr>
           </a:p>
         </p:txBody>
       </p:sp>
@@ -3893,7 +3917,7 @@
         </p:spPr>
         <p:txBody>
           <a:bodyPr>
-            <a:normAutofit lnSpcReduction="10000"/>
+            <a:normAutofit/>
           </a:bodyPr>
           <a:p>
             <a:pPr marL="457200" indent="-457200">
@@ -3903,10 +3927,16 @@
               <a:buAutoNum type="arabicPeriod"/>
             </a:pPr>
             <a:r>
-              <a:rPr lang="" altLang="en-US" sz="1800"/>
+              <a:rPr lang="" altLang="en-US" sz="1800">
+                <a:latin typeface="DejaVu Sans" panose="020B0603030804020204" charset="0"/>
+                <a:cs typeface="DejaVu Sans" panose="020B0603030804020204" charset="0"/>
+              </a:rPr>
               <a:t>Explainable &amp; privacy-aware Machine Learning</a:t>
             </a:r>
-            <a:endParaRPr lang="" altLang="en-US" sz="1800"/>
+            <a:endParaRPr lang="" altLang="en-US" sz="1800">
+              <a:latin typeface="DejaVu Sans" panose="020B0603030804020204" charset="0"/>
+              <a:cs typeface="DejaVu Sans" panose="020B0603030804020204" charset="0"/>
+            </a:endParaRPr>
           </a:p>
           <a:p>
             <a:pPr marL="457200" indent="-457200">
@@ -3916,10 +3946,16 @@
               <a:buAutoNum type="arabicPeriod"/>
             </a:pPr>
             <a:r>
-              <a:rPr lang="" altLang="en-US" sz="1800"/>
+              <a:rPr lang="" altLang="en-US" sz="1800">
+                <a:latin typeface="DejaVu Sans" panose="020B0603030804020204" charset="0"/>
+                <a:cs typeface="DejaVu Sans" panose="020B0603030804020204" charset="0"/>
+              </a:rPr>
               <a:t>... on high-dimensional data</a:t>
             </a:r>
-            <a:endParaRPr lang="" altLang="en-US" sz="1800"/>
+            <a:endParaRPr lang="" altLang="en-US" sz="1800">
+              <a:latin typeface="DejaVu Sans" panose="020B0603030804020204" charset="0"/>
+              <a:cs typeface="DejaVu Sans" panose="020B0603030804020204" charset="0"/>
+            </a:endParaRPr>
           </a:p>
           <a:p>
             <a:pPr marL="457200" indent="-457200">
@@ -3929,10 +3965,16 @@
               <a:buAutoNum type="arabicPeriod"/>
             </a:pPr>
             <a:r>
-              <a:rPr lang="" altLang="en-US" sz="1800"/>
+              <a:rPr lang="" altLang="en-US" sz="1800">
+                <a:latin typeface="DejaVu Sans" panose="020B0603030804020204" charset="0"/>
+                <a:cs typeface="DejaVu Sans" panose="020B0603030804020204" charset="0"/>
+              </a:rPr>
               <a:t>... by using graphs as intuitive &amp; universal data structures to depict topology and relations between entities</a:t>
             </a:r>
-            <a:endParaRPr lang="" altLang="en-US" sz="1800"/>
+            <a:endParaRPr lang="" altLang="en-US" sz="1800">
+              <a:latin typeface="DejaVu Sans" panose="020B0603030804020204" charset="0"/>
+              <a:cs typeface="DejaVu Sans" panose="020B0603030804020204" charset="0"/>
+            </a:endParaRPr>
           </a:p>
           <a:p>
             <a:pPr marL="457200" indent="-457200">
@@ -3941,7 +3983,10 @@
               </a:lnSpc>
               <a:buAutoNum type="arabicPeriod"/>
             </a:pPr>
-            <a:endParaRPr lang="" altLang="en-US" sz="1800"/>
+            <a:endParaRPr lang="" altLang="en-US" sz="1800">
+              <a:latin typeface="DejaVu Sans" panose="020B0603030804020204" charset="0"/>
+              <a:cs typeface="DejaVu Sans" panose="020B0603030804020204" charset="0"/>
+            </a:endParaRPr>
           </a:p>
           <a:p>
             <a:pPr marL="0" indent="0">
@@ -3951,10 +3996,16 @@
               <a:buNone/>
             </a:pPr>
             <a:r>
-              <a:rPr lang="" altLang="en-US"/>
+              <a:rPr lang="" altLang="en-US">
+                <a:latin typeface="DejaVu Sans" panose="020B0603030804020204" charset="0"/>
+                <a:cs typeface="DejaVu Sans" panose="020B0603030804020204" charset="0"/>
+              </a:rPr>
               <a:t>Graph-based / hybrid (= in addition to NNs) approaches have several advantages:</a:t>
             </a:r>
-            <a:endParaRPr lang="" altLang="en-US" sz="1800"/>
+            <a:endParaRPr lang="" altLang="en-US" sz="1800">
+              <a:latin typeface="DejaVu Sans" panose="020B0603030804020204" charset="0"/>
+              <a:cs typeface="DejaVu Sans" panose="020B0603030804020204" charset="0"/>
+            </a:endParaRPr>
           </a:p>
           <a:p>
             <a:pPr marL="0" indent="0">
@@ -3963,7 +4014,10 @@
               </a:lnSpc>
               <a:buNone/>
             </a:pPr>
-            <a:endParaRPr lang="" altLang="en-US" sz="1800"/>
+            <a:endParaRPr lang="" altLang="en-US" sz="1800">
+              <a:latin typeface="DejaVu Sans" panose="020B0603030804020204" charset="0"/>
+              <a:cs typeface="DejaVu Sans" panose="020B0603030804020204" charset="0"/>
+            </a:endParaRPr>
           </a:p>
           <a:p>
             <a:pPr marL="457200" indent="-457200">
@@ -3973,10 +4027,16 @@
               <a:buAutoNum type="arabicPeriod"/>
             </a:pPr>
             <a:r>
-              <a:rPr lang="" altLang="en-US" sz="1800"/>
+              <a:rPr lang="" altLang="en-US" sz="1800">
+                <a:latin typeface="DejaVu Sans" panose="020B0603030804020204" charset="0"/>
+                <a:cs typeface="DejaVu Sans" panose="020B0603030804020204" charset="0"/>
+              </a:rPr>
               <a:t>Form naturally on many interesting data sets (see next slide)</a:t>
             </a:r>
-            <a:endParaRPr lang="" altLang="en-US" sz="1800"/>
+            <a:endParaRPr lang="" altLang="en-US" sz="1800">
+              <a:latin typeface="DejaVu Sans" panose="020B0603030804020204" charset="0"/>
+              <a:cs typeface="DejaVu Sans" panose="020B0603030804020204" charset="0"/>
+            </a:endParaRPr>
           </a:p>
           <a:p>
             <a:pPr marL="457200" indent="-457200">
@@ -3986,10 +4046,16 @@
               <a:buAutoNum type="arabicPeriod"/>
             </a:pPr>
             <a:r>
-              <a:rPr lang="" altLang="en-US" sz="1800"/>
+              <a:rPr lang="" altLang="en-US" sz="1800">
+                <a:latin typeface="DejaVu Sans" panose="020B0603030804020204" charset="0"/>
+                <a:cs typeface="DejaVu Sans" panose="020B0603030804020204" charset="0"/>
+              </a:rPr>
               <a:t>Easier to interpret (in structure as well as results) - in part because they inherently project high-dimensional data into a 2D/3D space</a:t>
             </a:r>
-            <a:endParaRPr lang="" altLang="en-US" sz="1800"/>
+            <a:endParaRPr lang="" altLang="en-US" sz="1800">
+              <a:latin typeface="DejaVu Sans" panose="020B0603030804020204" charset="0"/>
+              <a:cs typeface="DejaVu Sans" panose="020B0603030804020204" charset="0"/>
+            </a:endParaRPr>
           </a:p>
           <a:p>
             <a:pPr marL="457200" indent="-457200">
@@ -3999,20 +4065,30 @@
               <a:buAutoNum type="arabicPeriod"/>
             </a:pPr>
             <a:r>
-              <a:rPr lang="" altLang="en-US" sz="1800"/>
+              <a:rPr lang="" altLang="en-US" sz="1800">
+                <a:latin typeface="DejaVu Sans" panose="020B0603030804020204" charset="0"/>
+                <a:cs typeface="DejaVu Sans" panose="020B0603030804020204" charset="0"/>
+              </a:rPr>
               <a:t>Allows for a multi-stage &amp; distributed system where each signal </a:t>
             </a:r>
             <a:r>
-              <a:rPr lang="" sz="1800"/>
+              <a:rPr lang="" sz="1800">
+                <a:latin typeface="DejaVu Sans" panose="020B0603030804020204" charset="0"/>
+                <a:cs typeface="DejaVu Sans" panose="020B0603030804020204" charset="0"/>
+              </a:rPr>
               <a:t>conveys meaning</a:t>
             </a:r>
             <a:r>
               <a:rPr lang="" altLang="en-US" sz="1800">
+                <a:latin typeface="DejaVu Sans" panose="020B0603030804020204" charset="0"/>
+                <a:cs typeface="DejaVu Sans" panose="020B0603030804020204" charset="0"/>
                 <a:sym typeface="+mn-ea"/>
               </a:rPr>
               <a:t> in itself (interest update, recommendation, chemical reaction, ...)</a:t>
             </a:r>
             <a:endParaRPr lang="" altLang="en-US" sz="1800">
+              <a:latin typeface="DejaVu Sans" panose="020B0603030804020204" charset="0"/>
+              <a:cs typeface="DejaVu Sans" panose="020B0603030804020204" charset="0"/>
               <a:sym typeface="+mn-ea"/>
             </a:endParaRPr>
           </a:p>
@@ -4051,10 +4127,16 @@
           <a:bodyPr/>
           <a:p>
             <a:r>
-              <a:rPr lang="" altLang="en-US"/>
+              <a:rPr lang="" altLang="en-US">
+                <a:latin typeface="DejaVu Sans" panose="020B0603030804020204" charset="0"/>
+                <a:cs typeface="DejaVu Sans" panose="020B0603030804020204" charset="0"/>
+              </a:rPr>
               <a:t>Graphs as universal data structures</a:t>
             </a:r>
-            <a:endParaRPr lang="" altLang="en-US"/>
+            <a:endParaRPr lang="" altLang="en-US">
+              <a:latin typeface="DejaVu Sans" panose="020B0603030804020204" charset="0"/>
+              <a:cs typeface="DejaVu Sans" panose="020B0603030804020204" charset="0"/>
+            </a:endParaRPr>
           </a:p>
         </p:txBody>
       </p:sp>
@@ -4582,10 +4664,16 @@
           </a:bodyPr>
           <a:p>
             <a:r>
-              <a:rPr lang="en-US" sz="1000"/>
+              <a:rPr lang="en-US" sz="1000">
+                <a:latin typeface="DejaVu Sans" panose="020B0603030804020204" charset="0"/>
+                <a:cs typeface="DejaVu Sans" panose="020B0603030804020204" charset="0"/>
+              </a:rPr>
               <a:t>Ramage, Holly &amp; Kumar, Gagandeep &amp; Verschueren, Erik &amp; Johnson, Jeffrey &amp; Dollen, John &amp; Johnson, Tasha &amp; Newton, Billy &amp; Shah, Priya &amp; Horner, Julie &amp; Krogan, Nevan &amp; Ott, Melanie. (2015). A Combined Proteomics/Genomics Approach Links Hepatitis C Virus Infection with Nonsense-Mediated mRNA Decay. Molecular cell. 57. 329-340. 10.1016/j.molcel.2014.12.028. </a:t>
             </a:r>
-            <a:endParaRPr lang="en-US" sz="1000"/>
+            <a:endParaRPr lang="en-US" sz="1000">
+              <a:latin typeface="DejaVu Sans" panose="020B0603030804020204" charset="0"/>
+              <a:cs typeface="DejaVu Sans" panose="020B0603030804020204" charset="0"/>
+            </a:endParaRPr>
           </a:p>
         </p:txBody>
       </p:sp>
@@ -4635,10 +4723,16 @@
           </a:bodyPr>
           <a:p>
             <a:r>
-              <a:rPr lang="en-US" sz="1000"/>
+              <a:rPr lang="en-US" sz="1000">
+                <a:latin typeface="DejaVu Sans" panose="020B0603030804020204" charset="0"/>
+                <a:cs typeface="DejaVu Sans" panose="020B0603030804020204" charset="0"/>
+              </a:rPr>
               <a:t>Holzinger, Andreas &amp; Malle, Bernd &amp; Giuliani, Nicola. (2014). On Graph Extraction from Image Data. 552-563. 10.1007/978-3-319-09891-3_50. </a:t>
             </a:r>
-            <a:endParaRPr lang="en-US" sz="1000"/>
+            <a:endParaRPr lang="en-US" sz="1000">
+              <a:latin typeface="DejaVu Sans" panose="020B0603030804020204" charset="0"/>
+              <a:cs typeface="DejaVu Sans" panose="020B0603030804020204" charset="0"/>
+            </a:endParaRPr>
           </a:p>
         </p:txBody>
       </p:sp>
@@ -4664,10 +4758,16 @@
           </a:bodyPr>
           <a:p>
             <a:r>
-              <a:rPr lang="en-US" sz="1000"/>
+              <a:rPr lang="en-US" sz="1000">
+                <a:latin typeface="DejaVu Sans" panose="020B0603030804020204" charset="0"/>
+                <a:cs typeface="DejaVu Sans" panose="020B0603030804020204" charset="0"/>
+              </a:rPr>
               <a:t>http://socialengineindia.com/</a:t>
             </a:r>
-            <a:endParaRPr lang="en-US" sz="1000"/>
+            <a:endParaRPr lang="en-US" sz="1000">
+              <a:latin typeface="DejaVu Sans" panose="020B0603030804020204" charset="0"/>
+              <a:cs typeface="DejaVu Sans" panose="020B0603030804020204" charset="0"/>
+            </a:endParaRPr>
           </a:p>
         </p:txBody>
       </p:sp>
@@ -4704,10 +4804,16 @@
           <a:bodyPr/>
           <a:p>
             <a:r>
-              <a:rPr lang="" altLang="en-US"/>
+              <a:rPr lang="" altLang="en-US">
+                <a:latin typeface="DejaVu Sans" panose="020B0603030804020204" charset="0"/>
+                <a:cs typeface="DejaVu Sans" panose="020B0603030804020204" charset="0"/>
+              </a:rPr>
               <a:t>Learning on distributed graphs - Challenges</a:t>
             </a:r>
-            <a:endParaRPr lang="" altLang="en-US"/>
+            <a:endParaRPr lang="" altLang="en-US">
+              <a:latin typeface="DejaVu Sans" panose="020B0603030804020204" charset="0"/>
+              <a:cs typeface="DejaVu Sans" panose="020B0603030804020204" charset="0"/>
+            </a:endParaRPr>
           </a:p>
         </p:txBody>
       </p:sp>
@@ -4729,90 +4835,144 @@
         </p:spPr>
         <p:txBody>
           <a:bodyPr>
-            <a:normAutofit fontScale="90000"/>
+            <a:normAutofit/>
           </a:bodyPr>
           <a:p>
             <a:pPr marL="342900" indent="-342900" algn="l">
               <a:buAutoNum type="arabicPeriod"/>
             </a:pPr>
             <a:r>
-              <a:rPr lang="en-US" b="1"/>
+              <a:rPr lang="en-US" sz="1800" b="1">
+                <a:latin typeface="DejaVu Sans" panose="020B0603030804020204" charset="0"/>
+                <a:cs typeface="DejaVu Sans" panose="020B0603030804020204" charset="0"/>
+              </a:rPr>
               <a:t>Expensive communication</a:t>
             </a:r>
             <a:r>
-              <a:rPr lang="en-US"/>
+              <a:rPr lang="en-US" sz="1800">
+                <a:latin typeface="DejaVu Sans" panose="020B0603030804020204" charset="0"/>
+                <a:cs typeface="DejaVu Sans" panose="020B0603030804020204" charset="0"/>
+              </a:rPr>
               <a:t>, since all nodes need to update a central (infrastructure of) servers according to their local model evolution</a:t>
             </a:r>
-            <a:endParaRPr lang="en-US"/>
+            <a:endParaRPr lang="en-US" sz="1800">
+              <a:latin typeface="DejaVu Sans" panose="020B0603030804020204" charset="0"/>
+              <a:cs typeface="DejaVu Sans" panose="020B0603030804020204" charset="0"/>
+            </a:endParaRPr>
           </a:p>
           <a:p>
             <a:pPr marL="342900" indent="-342900" algn="l">
               <a:buAutoNum type="arabicPeriod"/>
             </a:pPr>
-            <a:endParaRPr lang="en-US"/>
+            <a:endParaRPr lang="en-US" sz="1800">
+              <a:latin typeface="DejaVu Sans" panose="020B0603030804020204" charset="0"/>
+              <a:cs typeface="DejaVu Sans" panose="020B0603030804020204" charset="0"/>
+            </a:endParaRPr>
           </a:p>
           <a:p>
             <a:pPr marL="0" indent="0">
               <a:buNone/>
             </a:pPr>
             <a:r>
-              <a:rPr lang="en-US"/>
+              <a:rPr lang="en-US" sz="1800">
+                <a:latin typeface="DejaVu Sans" panose="020B0603030804020204" charset="0"/>
+                <a:cs typeface="DejaVu Sans" panose="020B0603030804020204" charset="0"/>
+              </a:rPr>
               <a:t>2. </a:t>
             </a:r>
             <a:r>
-              <a:rPr lang="en-US" b="1"/>
+              <a:rPr lang="en-US" sz="1800" b="1">
+                <a:latin typeface="DejaVu Sans" panose="020B0603030804020204" charset="0"/>
+                <a:cs typeface="DejaVu Sans" panose="020B0603030804020204" charset="0"/>
+              </a:rPr>
               <a:t>Systems Heterogeneity</a:t>
             </a:r>
             <a:r>
-              <a:rPr lang="en-US"/>
+              <a:rPr lang="en-US" sz="1800">
+                <a:latin typeface="DejaVu Sans" panose="020B0603030804020204" charset="0"/>
+                <a:cs typeface="DejaVu Sans" panose="020B0603030804020204" charset="0"/>
+              </a:rPr>
               <a:t>, meaning that edge devices might be of severely different storage &amp; computational capacity</a:t>
             </a:r>
-            <a:endParaRPr lang="en-US"/>
-          </a:p>
-          <a:p>
-            <a:endParaRPr lang="en-US"/>
+            <a:endParaRPr lang="en-US" sz="1800">
+              <a:latin typeface="DejaVu Sans" panose="020B0603030804020204" charset="0"/>
+              <a:cs typeface="DejaVu Sans" panose="020B0603030804020204" charset="0"/>
+            </a:endParaRPr>
+          </a:p>
+          <a:p>
+            <a:endParaRPr lang="en-US" sz="1800">
+              <a:latin typeface="DejaVu Sans" panose="020B0603030804020204" charset="0"/>
+              <a:cs typeface="DejaVu Sans" panose="020B0603030804020204" charset="0"/>
+            </a:endParaRPr>
           </a:p>
           <a:p>
             <a:pPr marL="0" indent="0">
               <a:buNone/>
             </a:pPr>
             <a:r>
-              <a:rPr lang="en-US"/>
+              <a:rPr lang="en-US" sz="1800">
+                <a:latin typeface="DejaVu Sans" panose="020B0603030804020204" charset="0"/>
+                <a:cs typeface="DejaVu Sans" panose="020B0603030804020204" charset="0"/>
+              </a:rPr>
               <a:t>3. </a:t>
             </a:r>
             <a:r>
-              <a:rPr lang="en-US" b="1"/>
+              <a:rPr lang="en-US" sz="1800" b="1">
+                <a:latin typeface="DejaVu Sans" panose="020B0603030804020204" charset="0"/>
+                <a:cs typeface="DejaVu Sans" panose="020B0603030804020204" charset="0"/>
+              </a:rPr>
               <a:t>Statistical Heterogeneity</a:t>
             </a:r>
             <a:r>
-              <a:rPr lang="en-US"/>
+              <a:rPr lang="en-US" sz="1800">
+                <a:latin typeface="DejaVu Sans" panose="020B0603030804020204" charset="0"/>
+                <a:cs typeface="DejaVu Sans" panose="020B0603030804020204" charset="0"/>
+              </a:rPr>
               <a:t>, since each local agent might have their own objective function and subsequently differently distributed data sets (I.I.D. assumption does not hold).</a:t>
             </a:r>
-            <a:endParaRPr lang="en-US"/>
+            <a:endParaRPr lang="en-US" sz="1800">
+              <a:latin typeface="DejaVu Sans" panose="020B0603030804020204" charset="0"/>
+              <a:cs typeface="DejaVu Sans" panose="020B0603030804020204" charset="0"/>
+            </a:endParaRPr>
           </a:p>
           <a:p>
             <a:pPr marL="0" indent="0">
               <a:buNone/>
             </a:pPr>
-            <a:endParaRPr lang="en-US"/>
+            <a:endParaRPr lang="en-US" sz="1800">
+              <a:latin typeface="DejaVu Sans" panose="020B0603030804020204" charset="0"/>
+              <a:cs typeface="DejaVu Sans" panose="020B0603030804020204" charset="0"/>
+            </a:endParaRPr>
           </a:p>
           <a:p>
             <a:pPr marL="0" indent="0">
               <a:buNone/>
             </a:pPr>
             <a:r>
-              <a:rPr lang="en-US"/>
+              <a:rPr lang="en-US" sz="1800">
+                <a:latin typeface="DejaVu Sans" panose="020B0603030804020204" charset="0"/>
+                <a:cs typeface="DejaVu Sans" panose="020B0603030804020204" charset="0"/>
+              </a:rPr>
               <a:t>4. </a:t>
             </a:r>
             <a:r>
-              <a:rPr lang="en-US" b="1"/>
+              <a:rPr lang="en-US" sz="1800" b="1">
+                <a:latin typeface="DejaVu Sans" panose="020B0603030804020204" charset="0"/>
+                <a:cs typeface="DejaVu Sans" panose="020B0603030804020204" charset="0"/>
+              </a:rPr>
               <a:t>Privacy concerns</a:t>
             </a:r>
             <a:r>
-              <a:rPr lang="en-US"/>
+              <a:rPr lang="en-US" sz="1800">
+                <a:latin typeface="DejaVu Sans" panose="020B0603030804020204" charset="0"/>
+                <a:cs typeface="DejaVu Sans" panose="020B0603030804020204" charset="0"/>
+              </a:rPr>
               <a:t>, meaning that model updates (even without transmitting the underlying data) can reveal sensitive information, while current approaches to counteract this phenomenon (e.g. adding noise via a differential privacy model) can significantly reduce systemefficiency.</a:t>
             </a:r>
-            <a:endParaRPr lang="en-US"/>
+            <a:endParaRPr lang="en-US" sz="1800">
+              <a:latin typeface="DejaVu Sans" panose="020B0603030804020204" charset="0"/>
+              <a:cs typeface="DejaVu Sans" panose="020B0603030804020204" charset="0"/>
+            </a:endParaRPr>
           </a:p>
         </p:txBody>
       </p:sp>
@@ -4849,10 +5009,16 @@
           <a:bodyPr/>
           <a:p>
             <a:r>
-              <a:rPr lang="" altLang="en-US"/>
+              <a:rPr lang="" altLang="en-US">
+                <a:latin typeface="DejaVu Sans" panose="020B0603030804020204" charset="0"/>
+                <a:cs typeface="DejaVu Sans" panose="020B0603030804020204" charset="0"/>
+              </a:rPr>
               <a:t>Graph convolutional networks &amp; feature propagation</a:t>
             </a:r>
-            <a:endParaRPr lang="" altLang="en-US"/>
+            <a:endParaRPr lang="" altLang="en-US">
+              <a:latin typeface="DejaVu Sans" panose="020B0603030804020204" charset="0"/>
+              <a:cs typeface="DejaVu Sans" panose="020B0603030804020204" charset="0"/>
+            </a:endParaRPr>
           </a:p>
         </p:txBody>
       </p:sp>
@@ -4878,39 +5044,69 @@
           </a:bodyPr>
           <a:p>
             <a:r>
-              <a:rPr lang="" altLang="en-US"/>
+              <a:rPr lang="" altLang="en-US">
+                <a:latin typeface="DejaVu Sans" panose="020B0603030804020204" charset="0"/>
+                <a:cs typeface="DejaVu Sans" panose="020B0603030804020204" charset="0"/>
+              </a:rPr>
               <a:t>Graphs share </a:t>
             </a:r>
             <a:r>
-              <a:rPr lang="" altLang="en-US" i="1"/>
+              <a:rPr lang="" altLang="en-US" i="1">
+                <a:latin typeface="DejaVu Sans" panose="020B0603030804020204" charset="0"/>
+                <a:cs typeface="DejaVu Sans" panose="020B0603030804020204" charset="0"/>
+              </a:rPr>
               <a:t>“hierarchical feature layers”</a:t>
             </a:r>
             <a:r>
-              <a:rPr lang="" altLang="en-US"/>
+              <a:rPr lang="" altLang="en-US">
+                <a:latin typeface="DejaVu Sans" panose="020B0603030804020204" charset="0"/>
+                <a:cs typeface="DejaVu Sans" panose="020B0603030804020204" charset="0"/>
+              </a:rPr>
               <a:t> with images, but not their spatial locality (rigid grid-pattern)</a:t>
             </a:r>
-            <a:endParaRPr lang="" altLang="en-US"/>
-          </a:p>
-          <a:p>
-            <a:r>
-              <a:rPr lang="" altLang="en-US"/>
+            <a:endParaRPr lang="" altLang="en-US">
+              <a:latin typeface="DejaVu Sans" panose="020B0603030804020204" charset="0"/>
+              <a:cs typeface="DejaVu Sans" panose="020B0603030804020204" charset="0"/>
+            </a:endParaRPr>
+          </a:p>
+          <a:p>
+            <a:r>
+              <a:rPr lang="" altLang="en-US">
+                <a:latin typeface="DejaVu Sans" panose="020B0603030804020204" charset="0"/>
+                <a:cs typeface="DejaVu Sans" panose="020B0603030804020204" charset="0"/>
+              </a:rPr>
               <a:t>In recent years, several methods have been established to learn on huge graphs by propagating &amp; coalescing features amongst nodes</a:t>
             </a:r>
-            <a:endParaRPr lang="" altLang="en-US"/>
-          </a:p>
-          <a:p>
-            <a:r>
-              <a:rPr lang="" altLang="en-US"/>
+            <a:endParaRPr lang="" altLang="en-US">
+              <a:latin typeface="DejaVu Sans" panose="020B0603030804020204" charset="0"/>
+              <a:cs typeface="DejaVu Sans" panose="020B0603030804020204" charset="0"/>
+            </a:endParaRPr>
+          </a:p>
+          <a:p>
+            <a:r>
+              <a:rPr lang="" altLang="en-US">
+                <a:latin typeface="DejaVu Sans" panose="020B0603030804020204" charset="0"/>
+                <a:cs typeface="DejaVu Sans" panose="020B0603030804020204" charset="0"/>
+              </a:rPr>
               <a:t>Although these methods have been successful in large enterprise settings, the question is how to implement them in a distributed way using resources on the “edge” (as opposed to the backbone)</a:t>
             </a:r>
-            <a:endParaRPr lang="" altLang="en-US"/>
-          </a:p>
-          <a:p>
-            <a:r>
-              <a:rPr lang="" altLang="en-US"/>
+            <a:endParaRPr lang="" altLang="en-US">
+              <a:latin typeface="DejaVu Sans" panose="020B0603030804020204" charset="0"/>
+              <a:cs typeface="DejaVu Sans" panose="020B0603030804020204" charset="0"/>
+            </a:endParaRPr>
+          </a:p>
+          <a:p>
+            <a:r>
+              <a:rPr lang="" altLang="en-US">
+                <a:latin typeface="DejaVu Sans" panose="020B0603030804020204" charset="0"/>
+                <a:cs typeface="DejaVu Sans" panose="020B0603030804020204" charset="0"/>
+              </a:rPr>
               <a:t>Also, the theory behind GCN’s is not yet fully established.</a:t>
             </a:r>
-            <a:endParaRPr lang="" altLang="en-US"/>
+            <a:endParaRPr lang="" altLang="en-US">
+              <a:latin typeface="DejaVu Sans" panose="020B0603030804020204" charset="0"/>
+              <a:cs typeface="DejaVu Sans" panose="020B0603030804020204" charset="0"/>
+            </a:endParaRPr>
           </a:p>
         </p:txBody>
       </p:sp>
@@ -4960,10 +5156,16 @@
           </a:bodyPr>
           <a:p>
             <a:r>
-              <a:rPr lang="en-US" sz="1000"/>
+              <a:rPr lang="en-US" sz="1000">
+                <a:latin typeface="DejaVu Sans" panose="020B0603030804020204" charset="0"/>
+                <a:cs typeface="DejaVu Sans" panose="020B0603030804020204" charset="0"/>
+              </a:rPr>
               <a:t> Rex Ying, Ruining He, Kaifeng Chen, Pong Eksombatchai, William L. Hamilton, and Jure Leskovec. Graph convolutional neural networks for web-scale recommender systems. Proceedings of the ACM SIGKDD International Conference on Knowledge Discovery and Data Mining, pages 974–983, 2018. doi: 10.1145/3219819.3219890</a:t>
             </a:r>
-            <a:endParaRPr lang="en-US" sz="1000"/>
+            <a:endParaRPr lang="en-US" sz="1000">
+              <a:latin typeface="DejaVu Sans" panose="020B0603030804020204" charset="0"/>
+              <a:cs typeface="DejaVu Sans" panose="020B0603030804020204" charset="0"/>
+            </a:endParaRPr>
           </a:p>
         </p:txBody>
       </p:sp>
@@ -5074,7 +5276,7 @@
         <p:spPr>
           <a:xfrm>
             <a:off x="647700" y="1405255"/>
-            <a:ext cx="5873750" cy="4752340"/>
+            <a:ext cx="5873750" cy="4912995"/>
           </a:xfrm>
         </p:spPr>
         <p:txBody>
@@ -5086,56 +5288,105 @@
               <a:buNone/>
             </a:pPr>
             <a:r>
-              <a:rPr lang="" altLang="en-US" sz="1800"/>
+              <a:rPr lang="" altLang="en-US" sz="1800">
+                <a:latin typeface="DejaVu Sans" panose="020B0603030804020204" charset="0"/>
+                <a:cs typeface="DejaVu Sans" panose="020B0603030804020204" charset="0"/>
+              </a:rPr>
               <a:t>Top image: Traditionally (as introduced by Google), the goal of FL is to learn a global model from distributed data:</a:t>
             </a:r>
-            <a:endParaRPr lang="" altLang="en-US" sz="1800"/>
+            <a:endParaRPr lang="" altLang="en-US" sz="1800">
+              <a:latin typeface="DejaVu Sans" panose="020B0603030804020204" charset="0"/>
+              <a:cs typeface="DejaVu Sans" panose="020B0603030804020204" charset="0"/>
+            </a:endParaRPr>
           </a:p>
           <a:p>
             <a:pPr marL="457200" indent="-457200">
               <a:buAutoNum type="arabicPeriod"/>
             </a:pPr>
             <a:r>
-              <a:rPr lang="" altLang="en-US" sz="1800"/>
+              <a:rPr lang="" altLang="en-US" sz="1800">
+                <a:latin typeface="DejaVu Sans" panose="020B0603030804020204" charset="0"/>
+                <a:cs typeface="DejaVu Sans" panose="020B0603030804020204" charset="0"/>
+              </a:rPr>
               <a:t>A global (pre-trained model) is distributed to all client devices -&gt; each one gets exactly the same!</a:t>
             </a:r>
-            <a:endParaRPr lang="" altLang="en-US" sz="1800"/>
+            <a:endParaRPr lang="" altLang="en-US" sz="1800">
+              <a:latin typeface="DejaVu Sans" panose="020B0603030804020204" charset="0"/>
+              <a:cs typeface="DejaVu Sans" panose="020B0603030804020204" charset="0"/>
+            </a:endParaRPr>
           </a:p>
           <a:p>
             <a:pPr marL="457200" indent="-457200">
               <a:buAutoNum type="arabicPeriod"/>
             </a:pPr>
             <a:r>
-              <a:rPr lang="" altLang="en-US" sz="1800"/>
+              <a:rPr lang="" altLang="en-US" sz="1800">
+                <a:latin typeface="DejaVu Sans" panose="020B0603030804020204" charset="0"/>
+                <a:cs typeface="DejaVu Sans" panose="020B0603030804020204" charset="0"/>
+              </a:rPr>
               <a:t>As users interact with the client, the model gets updated individually, resulting in a specialized model over time.</a:t>
             </a:r>
-            <a:endParaRPr lang="" altLang="en-US" sz="1800"/>
+            <a:endParaRPr lang="" altLang="en-US" sz="1800">
+              <a:latin typeface="DejaVu Sans" panose="020B0603030804020204" charset="0"/>
+              <a:cs typeface="DejaVu Sans" panose="020B0603030804020204" charset="0"/>
+            </a:endParaRPr>
           </a:p>
           <a:p>
             <a:pPr marL="457200" indent="-457200">
               <a:buAutoNum type="arabicPeriod"/>
             </a:pPr>
             <a:r>
-              <a:rPr lang="" altLang="en-US" sz="1800"/>
+              <a:rPr lang="" altLang="en-US" sz="1800">
+                <a:latin typeface="DejaVu Sans" panose="020B0603030804020204" charset="0"/>
+                <a:cs typeface="DejaVu Sans" panose="020B0603030804020204" charset="0"/>
+              </a:rPr>
               <a:t>In intervals, clients compute diffs &amp; send them to the server, the sum of which are reconciled into a new global model, which again is distributed downstream.</a:t>
             </a:r>
-            <a:endParaRPr lang="" altLang="en-US" sz="1800"/>
+            <a:endParaRPr lang="" altLang="en-US" sz="1800">
+              <a:latin typeface="DejaVu Sans" panose="020B0603030804020204" charset="0"/>
+              <a:cs typeface="DejaVu Sans" panose="020B0603030804020204" charset="0"/>
+            </a:endParaRPr>
           </a:p>
           <a:p>
             <a:pPr marL="457200" indent="-457200">
               <a:buAutoNum type="arabicPeriod"/>
             </a:pPr>
-            <a:endParaRPr lang="" altLang="en-US" sz="1800"/>
+            <a:endParaRPr lang="" altLang="en-US" sz="1800">
+              <a:latin typeface="DejaVu Sans" panose="020B0603030804020204" charset="0"/>
+              <a:cs typeface="DejaVu Sans" panose="020B0603030804020204" charset="0"/>
+            </a:endParaRPr>
           </a:p>
           <a:p>
             <a:pPr marL="0" indent="0">
               <a:buNone/>
             </a:pPr>
             <a:r>
-              <a:rPr lang="" altLang="en-US" sz="1800"/>
-              <a:t>Bottom image: 3 possible modes of FL: 1) individual, 2) global, 3) learn from peers </a:t>
-            </a:r>
-            <a:endParaRPr lang="" altLang="en-US" sz="1800"/>
+              <a:rPr lang="" altLang="en-US" sz="1800">
+                <a:latin typeface="DejaVu Sans" panose="020B0603030804020204" charset="0"/>
+                <a:cs typeface="DejaVu Sans" panose="020B0603030804020204" charset="0"/>
+              </a:rPr>
+              <a:t>Bottom image: 3 possible modes of FL: </a:t>
+            </a:r>
+            <a:endParaRPr lang="" altLang="en-US" sz="1800">
+              <a:latin typeface="DejaVu Sans" panose="020B0603030804020204" charset="0"/>
+              <a:cs typeface="DejaVu Sans" panose="020B0603030804020204" charset="0"/>
+            </a:endParaRPr>
+          </a:p>
+          <a:p>
+            <a:pPr marL="0" indent="0">
+              <a:buNone/>
+            </a:pPr>
+            <a:r>
+              <a:rPr lang="" altLang="en-US" sz="1800">
+                <a:latin typeface="DejaVu Sans" panose="020B0603030804020204" charset="0"/>
+                <a:cs typeface="DejaVu Sans" panose="020B0603030804020204" charset="0"/>
+              </a:rPr>
+              <a:t>1) individual, 2) global, 3) learn from peers </a:t>
+            </a:r>
+            <a:endParaRPr lang="" altLang="en-US" sz="1800">
+              <a:latin typeface="DejaVu Sans" panose="020B0603030804020204" charset="0"/>
+              <a:cs typeface="DejaVu Sans" panose="020B0603030804020204" charset="0"/>
+            </a:endParaRPr>
           </a:p>
         </p:txBody>
       </p:sp>
@@ -5147,8 +5398,8 @@
         </p:nvSpPr>
         <p:spPr>
           <a:xfrm>
-            <a:off x="6744970" y="5488305"/>
-            <a:ext cx="5034280" cy="829945"/>
+            <a:off x="6744970" y="5586095"/>
+            <a:ext cx="5034280" cy="553085"/>
           </a:xfrm>
           <a:prstGeom prst="rect">
             <a:avLst/>
@@ -5161,18 +5412,30 @@
           </a:bodyPr>
           <a:p>
             <a:r>
-              <a:rPr lang="en-US" sz="1200"/>
+              <a:rPr lang="en-US" sz="1000">
+                <a:latin typeface="DejaVu Sans" panose="020B0603030804020204" charset="0"/>
+                <a:cs typeface="DejaVu Sans" panose="020B0603030804020204" charset="0"/>
+              </a:rPr>
               <a:t> Tian Li, Anit Kumar Sahu, Ameet Talwalkar, and Virginia Smith. Federated Learning: Challenges, Methods, and Future Directions. pages 1–21, 2019. URL </a:t>
             </a:r>
             <a:r>
-              <a:rPr lang="" altLang="en-US" sz="1200"/>
+              <a:rPr lang="" altLang="en-US" sz="1000">
+                <a:latin typeface="DejaVu Sans" panose="020B0603030804020204" charset="0"/>
+                <a:cs typeface="DejaVu Sans" panose="020B0603030804020204" charset="0"/>
+              </a:rPr>
               <a:t>h</a:t>
             </a:r>
             <a:r>
-              <a:rPr lang="en-US" sz="1200"/>
+              <a:rPr lang="en-US" sz="1000">
+                <a:latin typeface="DejaVu Sans" panose="020B0603030804020204" charset="0"/>
+                <a:cs typeface="DejaVu Sans" panose="020B0603030804020204" charset="0"/>
+              </a:rPr>
               <a:t>ttp://arxiv.org/abs/1908.07873.</a:t>
             </a:r>
-            <a:endParaRPr lang="en-US" sz="1200"/>
+            <a:endParaRPr lang="en-US" sz="1000">
+              <a:latin typeface="DejaVu Sans" panose="020B0603030804020204" charset="0"/>
+              <a:cs typeface="DejaVu Sans" panose="020B0603030804020204" charset="0"/>
+            </a:endParaRPr>
           </a:p>
         </p:txBody>
       </p:sp>
@@ -5184,8 +5447,8 @@
         </p:nvSpPr>
         <p:spPr>
           <a:xfrm>
-            <a:off x="6744970" y="2718435"/>
-            <a:ext cx="4860290" cy="460375"/>
+            <a:off x="6744970" y="2760345"/>
+            <a:ext cx="4860290" cy="398780"/>
           </a:xfrm>
           <a:prstGeom prst="rect">
             <a:avLst/>
@@ -5198,10 +5461,16 @@
           </a:bodyPr>
           <a:p>
             <a:r>
-              <a:rPr lang="en-US" sz="1200"/>
+              <a:rPr lang="en-US" sz="1000">
+                <a:latin typeface="DejaVu Sans" panose="020B0603030804020204" charset="0"/>
+                <a:cs typeface="DejaVu Sans" panose="020B0603030804020204" charset="0"/>
+              </a:rPr>
               <a:t>https://blog.ml.cmu.edu/2019/11/12/federated-learning-challenges-methods-and-future-directions/</a:t>
             </a:r>
-            <a:endParaRPr lang="en-US" sz="1200"/>
+            <a:endParaRPr lang="en-US" sz="1000">
+              <a:latin typeface="DejaVu Sans" panose="020B0603030804020204" charset="0"/>
+              <a:cs typeface="DejaVu Sans" panose="020B0603030804020204" charset="0"/>
+            </a:endParaRPr>
           </a:p>
         </p:txBody>
       </p:sp>
@@ -5262,10 +5531,16 @@
           <a:bodyPr/>
           <a:p>
             <a:r>
-              <a:rPr lang="" altLang="en-US"/>
+              <a:rPr lang="" altLang="en-US">
+                <a:latin typeface="DejaVu Sans" panose="020B0603030804020204" charset="0"/>
+                <a:cs typeface="DejaVu Sans" panose="020B0603030804020204" charset="0"/>
+              </a:rPr>
               <a:t>Local spheres - going beyond federations</a:t>
             </a:r>
-            <a:endParaRPr lang="" altLang="en-US"/>
+            <a:endParaRPr lang="" altLang="en-US">
+              <a:latin typeface="DejaVu Sans" panose="020B0603030804020204" charset="0"/>
+              <a:cs typeface="DejaVu Sans" panose="020B0603030804020204" charset="0"/>
+            </a:endParaRPr>
           </a:p>
         </p:txBody>
       </p:sp>
@@ -5291,24 +5566,42 @@
           </a:bodyPr>
           <a:p>
             <a:r>
-              <a:rPr lang="" altLang="en-US"/>
+              <a:rPr lang="" altLang="en-US">
+                <a:latin typeface="DejaVu Sans" panose="020B0603030804020204" charset="0"/>
+                <a:cs typeface="DejaVu Sans" panose="020B0603030804020204" charset="0"/>
+              </a:rPr>
               <a:t>In human society, solutions to complex problems are usually solved by a collaboration of experts, each contributing their unique talents - NOT by smoothing out the knowledge base of the collective.</a:t>
             </a:r>
-            <a:endParaRPr lang="" altLang="en-US"/>
-          </a:p>
-          <a:p>
-            <a:r>
-              <a:rPr lang="" altLang="en-US"/>
+            <a:endParaRPr lang="" altLang="en-US">
+              <a:latin typeface="DejaVu Sans" panose="020B0603030804020204" charset="0"/>
+              <a:cs typeface="DejaVu Sans" panose="020B0603030804020204" charset="0"/>
+            </a:endParaRPr>
+          </a:p>
+          <a:p>
+            <a:r>
+              <a:rPr lang="" altLang="en-US">
+                <a:latin typeface="DejaVu Sans" panose="020B0603030804020204" charset="0"/>
+                <a:cs typeface="DejaVu Sans" panose="020B0603030804020204" charset="0"/>
+              </a:rPr>
               <a:t>Likewise, allowing each node to retain a local model fitting their respective data / objective function might lead to better global results even in the absence of a global model.</a:t>
             </a:r>
-            <a:endParaRPr lang="" altLang="en-US"/>
-          </a:p>
-          <a:p>
-            <a:r>
-              <a:rPr lang="" altLang="en-US"/>
+            <a:endParaRPr lang="" altLang="en-US">
+              <a:latin typeface="DejaVu Sans" panose="020B0603030804020204" charset="0"/>
+              <a:cs typeface="DejaVu Sans" panose="020B0603030804020204" charset="0"/>
+            </a:endParaRPr>
+          </a:p>
+          <a:p>
+            <a:r>
+              <a:rPr lang="" altLang="en-US">
+                <a:latin typeface="DejaVu Sans" panose="020B0603030804020204" charset="0"/>
+                <a:cs typeface="DejaVu Sans" panose="020B0603030804020204" charset="0"/>
+              </a:rPr>
               <a:t>This way, each local model would act as a re-usable component - and the swarm could adapt to new problems without continually re-training from the start.</a:t>
             </a:r>
-            <a:endParaRPr lang="" altLang="en-US"/>
+            <a:endParaRPr lang="" altLang="en-US">
+              <a:latin typeface="DejaVu Sans" panose="020B0603030804020204" charset="0"/>
+              <a:cs typeface="DejaVu Sans" panose="020B0603030804020204" charset="0"/>
+            </a:endParaRPr>
           </a:p>
         </p:txBody>
       </p:sp>
@@ -5334,10 +5627,16 @@
           </a:bodyPr>
           <a:p>
             <a:r>
-              <a:rPr lang="en-US" sz="1200"/>
+              <a:rPr lang="en-US" sz="1200">
+                <a:latin typeface="DejaVu Sans" panose="020B0603030804020204" charset="0"/>
+                <a:cs typeface="DejaVu Sans" panose="020B0603030804020204" charset="0"/>
+              </a:rPr>
               <a:t>Bernd Malle, Nicola Giuliani, Peter Kieseberg, and Andreas Holzinger. The More the Merrier - Federated Learning from Local Sphere Recommendations. In Machine Learning and Knowledge Extraction, IFIP CD-MAKE, Lecture Notes in Computer Science LNCS 10410, pages 367–374. Springer, Cham, 2017. doi: 10.1007/978-3-319-66808-6 24.</a:t>
             </a:r>
-            <a:endParaRPr lang="en-US" sz="1200"/>
+            <a:endParaRPr lang="en-US" sz="1200">
+              <a:latin typeface="DejaVu Sans" panose="020B0603030804020204" charset="0"/>
+              <a:cs typeface="DejaVu Sans" panose="020B0603030804020204" charset="0"/>
+            </a:endParaRPr>
           </a:p>
         </p:txBody>
       </p:sp>
@@ -5374,10 +5673,16 @@
           <a:bodyPr/>
           <a:p>
             <a:r>
-              <a:rPr lang="" altLang="en-US"/>
+              <a:rPr lang="" altLang="en-US">
+                <a:latin typeface="DejaVu Sans" panose="020B0603030804020204" charset="0"/>
+                <a:cs typeface="DejaVu Sans" panose="020B0603030804020204" charset="0"/>
+              </a:rPr>
               <a:t>Local spheres - local / global connection</a:t>
             </a:r>
-            <a:endParaRPr lang="" altLang="en-US"/>
+            <a:endParaRPr lang="" altLang="en-US">
+              <a:latin typeface="DejaVu Sans" panose="020B0603030804020204" charset="0"/>
+              <a:cs typeface="DejaVu Sans" panose="020B0603030804020204" charset="0"/>
+            </a:endParaRPr>
           </a:p>
         </p:txBody>
       </p:sp>
@@ -5401,31 +5706,55 @@
           <a:bodyPr/>
           <a:p>
             <a:r>
-              <a:rPr lang="" altLang="en-US"/>
+              <a:rPr lang="" altLang="en-US">
+                <a:latin typeface="DejaVu Sans" panose="020B0603030804020204" charset="0"/>
+                <a:cs typeface="DejaVu Sans" panose="020B0603030804020204" charset="0"/>
+              </a:rPr>
               <a:t>Efficient communication among relevant local spheres is crucial</a:t>
             </a:r>
-            <a:endParaRPr lang="" altLang="en-US"/>
-          </a:p>
-          <a:p>
-            <a:r>
-              <a:rPr lang="" altLang="en-US"/>
+            <a:endParaRPr lang="" altLang="en-US">
+              <a:latin typeface="DejaVu Sans" panose="020B0603030804020204" charset="0"/>
+              <a:cs typeface="DejaVu Sans" panose="020B0603030804020204" charset="0"/>
+            </a:endParaRPr>
+          </a:p>
+          <a:p>
+            <a:r>
+              <a:rPr lang="" altLang="en-US">
+                <a:latin typeface="DejaVu Sans" panose="020B0603030804020204" charset="0"/>
+                <a:cs typeface="DejaVu Sans" panose="020B0603030804020204" charset="0"/>
+              </a:rPr>
               <a:t>We want to avoid “gossip-style” networks (everyone talking to everyone else)</a:t>
             </a:r>
-            <a:endParaRPr lang="" altLang="en-US"/>
-          </a:p>
-          <a:p>
-            <a:r>
-              <a:rPr lang="" altLang="en-US"/>
-              <a:t>We propose computing a “fingerprint” per local sphere in the form of a representative feature vector</a:t>
-            </a:r>
-            <a:endParaRPr lang="" altLang="en-US"/>
-          </a:p>
-          <a:p>
-            <a:r>
-              <a:rPr lang="" altLang="en-US"/>
+            <a:endParaRPr lang="" altLang="en-US">
+              <a:latin typeface="DejaVu Sans" panose="020B0603030804020204" charset="0"/>
+              <a:cs typeface="DejaVu Sans" panose="020B0603030804020204" charset="0"/>
+            </a:endParaRPr>
+          </a:p>
+          <a:p>
+            <a:r>
+              <a:rPr lang="" altLang="en-US">
+                <a:latin typeface="DejaVu Sans" panose="020B0603030804020204" charset="0"/>
+                <a:cs typeface="DejaVu Sans" panose="020B0603030804020204" charset="0"/>
+              </a:rPr>
+              <a:t>We propose computing a “fingerprint” per local sphere in the form of a representative feature vector (ls2vec)</a:t>
+            </a:r>
+            <a:endParaRPr lang="" altLang="en-US">
+              <a:latin typeface="DejaVu Sans" panose="020B0603030804020204" charset="0"/>
+              <a:cs typeface="DejaVu Sans" panose="020B0603030804020204" charset="0"/>
+            </a:endParaRPr>
+          </a:p>
+          <a:p>
+            <a:r>
+              <a:rPr lang="" altLang="en-US">
+                <a:latin typeface="DejaVu Sans" panose="020B0603030804020204" charset="0"/>
+                <a:cs typeface="DejaVu Sans" panose="020B0603030804020204" charset="0"/>
+              </a:rPr>
               <a:t>This way, a central similarity service can “connect” local spheres most likely to profit from each other’s local model / expertise.</a:t>
             </a:r>
-            <a:endParaRPr lang="" altLang="en-US"/>
+            <a:endParaRPr lang="" altLang="en-US">
+              <a:latin typeface="DejaVu Sans" panose="020B0603030804020204" charset="0"/>
+              <a:cs typeface="DejaVu Sans" panose="020B0603030804020204" charset="0"/>
+            </a:endParaRPr>
           </a:p>
         </p:txBody>
       </p:sp>
@@ -5550,10 +5879,16 @@
           <a:p>
             <a:pPr algn="ctr"/>
             <a:r>
-              <a:rPr lang="" altLang="en-US" sz="4000"/>
+              <a:rPr lang="" altLang="en-US" sz="4000">
+                <a:latin typeface="DejaVu Sans" panose="020B0603030804020204" charset="0"/>
+                <a:cs typeface="DejaVu Sans" panose="020B0603030804020204" charset="0"/>
+              </a:rPr>
               <a:t>		Thank you !</a:t>
             </a:r>
-            <a:endParaRPr lang="" altLang="en-US" sz="4000"/>
+            <a:endParaRPr lang="" altLang="en-US" sz="4000">
+              <a:latin typeface="DejaVu Sans" panose="020B0603030804020204" charset="0"/>
+              <a:cs typeface="DejaVu Sans" panose="020B0603030804020204" charset="0"/>
+            </a:endParaRPr>
           </a:p>
         </p:txBody>
       </p:sp>
@@ -5580,43 +5915,73 @@
               <a:buNone/>
             </a:pPr>
             <a:r>
-              <a:rPr lang="en-US" i="1"/>
+              <a:rPr lang="en-US" i="1">
+                <a:latin typeface="DejaVu Sans" panose="020B0603030804020204" charset="0"/>
+                <a:cs typeface="DejaVu Sans" panose="020B0603030804020204" charset="0"/>
+              </a:rPr>
               <a:t>Parts of this work ha</a:t>
             </a:r>
             <a:r>
-              <a:rPr lang="" altLang="en-US" i="1"/>
+              <a:rPr lang="" altLang="en-US" i="1">
+                <a:latin typeface="DejaVu Sans" panose="020B0603030804020204" charset="0"/>
+                <a:cs typeface="DejaVu Sans" panose="020B0603030804020204" charset="0"/>
+              </a:rPr>
               <a:t>ve</a:t>
             </a:r>
             <a:r>
-              <a:rPr lang="en-US" i="1"/>
+              <a:rPr lang="en-US" i="1">
+                <a:latin typeface="DejaVu Sans" panose="020B0603030804020204" charset="0"/>
+                <a:cs typeface="DejaVu Sans" panose="020B0603030804020204" charset="0"/>
+              </a:rPr>
               <a:t> been funded by the Austrian Science Fund (FWF), Project: P-32554 “A reference model of explainable Artificial Intelligence for the Medical Domain”</a:t>
             </a:r>
             <a:r>
-              <a:rPr lang="" altLang="en-US" i="1"/>
+              <a:rPr lang="" altLang="en-US" i="1">
+                <a:latin typeface="DejaVu Sans" panose="020B0603030804020204" charset="0"/>
+                <a:cs typeface="DejaVu Sans" panose="020B0603030804020204" charset="0"/>
+              </a:rPr>
               <a:t>.</a:t>
             </a:r>
-            <a:endParaRPr lang="en-US" i="1"/>
-          </a:p>
-          <a:p>
-            <a:endParaRPr lang="en-US" i="1"/>
+            <a:endParaRPr lang="en-US" i="1">
+              <a:latin typeface="DejaVu Sans" panose="020B0603030804020204" charset="0"/>
+              <a:cs typeface="DejaVu Sans" panose="020B0603030804020204" charset="0"/>
+            </a:endParaRPr>
+          </a:p>
+          <a:p>
+            <a:endParaRPr lang="en-US" i="1">
+              <a:latin typeface="DejaVu Sans" panose="020B0603030804020204" charset="0"/>
+              <a:cs typeface="DejaVu Sans" panose="020B0603030804020204" charset="0"/>
+            </a:endParaRPr>
           </a:p>
           <a:p>
             <a:pPr marL="0" indent="0">
               <a:buNone/>
             </a:pPr>
             <a:r>
-              <a:rPr lang="en-US" i="1"/>
+              <a:rPr lang="en-US" i="1">
+                <a:latin typeface="DejaVu Sans" panose="020B0603030804020204" charset="0"/>
+                <a:cs typeface="DejaVu Sans" panose="020B0603030804020204" charset="0"/>
+              </a:rPr>
               <a:t>Parts of this work have been funded by the European Union's Horizon 2020 research and innovation programme under grant agreement No 826078 </a:t>
             </a:r>
             <a:r>
-              <a:rPr lang="" altLang="en-US" i="1"/>
+              <a:rPr lang="" altLang="en-US" i="1">
+                <a:latin typeface="DejaVu Sans" panose="020B0603030804020204" charset="0"/>
+                <a:cs typeface="DejaVu Sans" panose="020B0603030804020204" charset="0"/>
+              </a:rPr>
               <a:t>, </a:t>
             </a:r>
             <a:r>
-              <a:rPr lang="en-US" i="1"/>
+              <a:rPr lang="en-US" i="1">
+                <a:latin typeface="DejaVu Sans" panose="020B0603030804020204" charset="0"/>
+                <a:cs typeface="DejaVu Sans" panose="020B0603030804020204" charset="0"/>
+              </a:rPr>
               <a:t>"Feature Cloud".</a:t>
             </a:r>
-            <a:endParaRPr lang="en-US" i="1"/>
+            <a:endParaRPr lang="en-US" i="1">
+              <a:latin typeface="DejaVu Sans" panose="020B0603030804020204" charset="0"/>
+              <a:cs typeface="DejaVu Sans" panose="020B0603030804020204" charset="0"/>
+            </a:endParaRPr>
           </a:p>
         </p:txBody>
       </p:sp>
